--- a/iOS逆向工程与安全.pptx
+++ b/iOS逆向工程与安全.pptx
@@ -10,6 +10,8 @@
     <p:sldId id="258" r:id="rId4"/>
     <p:sldId id="259" r:id="rId5"/>
     <p:sldId id="260" r:id="rId6"/>
+    <p:sldId id="261" r:id="rId7"/>
+    <p:sldId id="262" r:id="rId8"/>
   </p:sldIdLst>
   <p:sldSz cx="9144000" cy="6858000" type="screen4x3"/>
   <p:notesSz cx="6858000" cy="9144000"/>
@@ -405,7 +407,7 @@
           <a:p>
             <a:fld id="{8058BF63-F3EB-F44D-AD7C-0A0B719A063A}" type="datetimeFigureOut">
               <a:rPr kumimoji="1" lang="zh-CN" altLang="en-US" smtClean="0"/>
-              <a:t>3/12/14</a:t>
+              <a:t>3/20/14</a:t>
             </a:fld>
             <a:endParaRPr kumimoji="1" lang="zh-CN" altLang="en-US"/>
           </a:p>
@@ -1084,7 +1086,7 @@
           <a:p>
             <a:r>
               <a:rPr kumimoji="1" lang="zh-CN" altLang="en-US" dirty="0" smtClean="0"/>
-              <a:t>内容</a:t>
+              <a:t>目录</a:t>
             </a:r>
             <a:endParaRPr kumimoji="1" lang="zh-CN" altLang="en-US" dirty="0"/>
           </a:p>
@@ -1124,7 +1126,18 @@
             </a:r>
             <a:r>
               <a:rPr kumimoji="1" lang="zh-CN" altLang="en-US" dirty="0" smtClean="0"/>
-              <a:t>动态分析</a:t>
+              <a:t>动态</a:t>
+            </a:r>
+            <a:r>
+              <a:rPr kumimoji="1" lang="zh-CN" altLang="en-US" dirty="0" smtClean="0"/>
+              <a:t>分析</a:t>
+            </a:r>
+            <a:endParaRPr kumimoji="1" lang="en-US" altLang="zh-CN" dirty="0" smtClean="0"/>
+          </a:p>
+          <a:p>
+            <a:r>
+              <a:rPr kumimoji="1" lang="zh-CN" altLang="en-US" dirty="0" smtClean="0"/>
+              <a:t>编码安全</a:t>
             </a:r>
             <a:endParaRPr kumimoji="1" lang="zh-CN" altLang="en-US" dirty="0"/>
           </a:p>
@@ -1184,7 +1197,7 @@
           <a:p>
             <a:r>
               <a:rPr kumimoji="1" lang="zh-CN" altLang="en-US" dirty="0" smtClean="0"/>
-              <a:t>内容</a:t>
+              <a:t>目录</a:t>
             </a:r>
             <a:endParaRPr kumimoji="1" lang="zh-CN" altLang="en-US" dirty="0"/>
           </a:p>
@@ -1242,7 +1255,46 @@
                   </a:schemeClr>
                 </a:solidFill>
               </a:rPr>
-              <a:t>动态分析</a:t>
+              <a:t>动态</a:t>
+            </a:r>
+            <a:r>
+              <a:rPr kumimoji="1" lang="zh-CN" altLang="en-US" dirty="0" smtClean="0">
+                <a:solidFill>
+                  <a:schemeClr val="bg1">
+                    <a:lumMod val="50000"/>
+                  </a:schemeClr>
+                </a:solidFill>
+              </a:rPr>
+              <a:t>分析</a:t>
+            </a:r>
+            <a:endParaRPr kumimoji="1" lang="en-US" altLang="zh-CN" dirty="0" smtClean="0">
+              <a:solidFill>
+                <a:schemeClr val="bg1">
+                  <a:lumMod val="50000"/>
+                </a:schemeClr>
+              </a:solidFill>
+            </a:endParaRPr>
+          </a:p>
+          <a:p>
+            <a:r>
+              <a:rPr kumimoji="1" lang="zh-CN" altLang="en-US" dirty="0">
+                <a:solidFill>
+                  <a:schemeClr val="bg1">
+                    <a:lumMod val="50000"/>
+                  </a:schemeClr>
+                </a:solidFill>
+              </a:rPr>
+              <a:t>编码</a:t>
+            </a:r>
+            <a:r>
+              <a:rPr kumimoji="1" lang="zh-CN" altLang="en-US" dirty="0" smtClean="0">
+                <a:solidFill>
+                  <a:schemeClr val="bg1">
+                    <a:lumMod val="50000"/>
+                  </a:schemeClr>
+                </a:solidFill>
+              </a:rPr>
+              <a:t>安全</a:t>
             </a:r>
             <a:endParaRPr kumimoji="1" lang="zh-CN" altLang="en-US" dirty="0">
               <a:solidFill>
@@ -1970,6 +2022,214 @@
     <p:extLst>
       <p:ext uri="{BB962C8B-B14F-4D97-AF65-F5344CB8AC3E}">
         <p14:creationId xmlns:p14="http://schemas.microsoft.com/office/powerpoint/2010/main" val="349918618"/>
+      </p:ext>
+    </p:extLst>
+  </p:cSld>
+  <p:clrMapOvr>
+    <a:masterClrMapping/>
+  </p:clrMapOvr>
+</p:sld>
+</file>
+
+<file path=ppt/slides/slide6.xml><?xml version="1.0" encoding="utf-8"?>
+<p:sld xmlns:a="http://schemas.openxmlformats.org/drawingml/2006/main" xmlns:r="http://schemas.openxmlformats.org/officeDocument/2006/relationships" xmlns:p="http://schemas.openxmlformats.org/presentationml/2006/main">
+  <p:cSld>
+    <p:spTree>
+      <p:nvGrpSpPr>
+        <p:cNvPr id="1" name=""/>
+        <p:cNvGrpSpPr/>
+        <p:nvPr/>
+      </p:nvGrpSpPr>
+      <p:grpSpPr>
+        <a:xfrm>
+          <a:off x="0" y="0"/>
+          <a:ext cx="0" cy="0"/>
+          <a:chOff x="0" y="0"/>
+          <a:chExt cx="0" cy="0"/>
+        </a:xfrm>
+      </p:grpSpPr>
+      <p:sp>
+        <p:nvSpPr>
+          <p:cNvPr id="2" name="标题 1"/>
+          <p:cNvSpPr>
+            <a:spLocks noGrp="1"/>
+          </p:cNvSpPr>
+          <p:nvPr>
+            <p:ph type="title"/>
+          </p:nvPr>
+        </p:nvSpPr>
+        <p:spPr/>
+        <p:txBody>
+          <a:bodyPr/>
+          <a:lstStyle/>
+          <a:p>
+            <a:r>
+              <a:rPr kumimoji="1" lang="zh-CN" altLang="en-US" dirty="0" smtClean="0"/>
+              <a:t>目录</a:t>
+            </a:r>
+            <a:endParaRPr kumimoji="1" lang="zh-CN" altLang="en-US" dirty="0"/>
+          </a:p>
+        </p:txBody>
+      </p:sp>
+      <p:sp>
+        <p:nvSpPr>
+          <p:cNvPr id="3" name="内容占位符 2"/>
+          <p:cNvSpPr>
+            <a:spLocks noGrp="1"/>
+          </p:cNvSpPr>
+          <p:nvPr>
+            <p:ph idx="1"/>
+          </p:nvPr>
+        </p:nvSpPr>
+        <p:spPr/>
+        <p:txBody>
+          <a:bodyPr/>
+          <a:lstStyle/>
+          <a:p>
+            <a:r>
+              <a:rPr kumimoji="1" lang="zh-CN" altLang="en-US" dirty="0">
+                <a:solidFill>
+                  <a:srgbClr val="7F7F7F"/>
+                </a:solidFill>
+              </a:rPr>
+              <a:t>环境配置及工具</a:t>
+            </a:r>
+            <a:endParaRPr kumimoji="1" lang="en-US" altLang="zh-CN" dirty="0">
+              <a:solidFill>
+                <a:srgbClr val="7F7F7F"/>
+              </a:solidFill>
+            </a:endParaRPr>
+          </a:p>
+          <a:p>
+            <a:r>
+              <a:rPr kumimoji="1" lang="en-US" altLang="en-US" dirty="0">
+                <a:solidFill>
+                  <a:schemeClr val="bg1">
+                    <a:lumMod val="50000"/>
+                  </a:schemeClr>
+                </a:solidFill>
+              </a:rPr>
+              <a:t>静态分析</a:t>
+            </a:r>
+          </a:p>
+          <a:p>
+            <a:r>
+              <a:rPr kumimoji="1" lang="en-US" altLang="zh-CN" dirty="0" err="1">
+                <a:solidFill>
+                  <a:schemeClr val="bg1">
+                    <a:lumMod val="50000"/>
+                  </a:schemeClr>
+                </a:solidFill>
+              </a:rPr>
+              <a:t>Cycript</a:t>
+            </a:r>
+            <a:r>
+              <a:rPr kumimoji="1" lang="zh-CN" altLang="en-US" dirty="0">
+                <a:solidFill>
+                  <a:schemeClr val="bg1">
+                    <a:lumMod val="50000"/>
+                  </a:schemeClr>
+                </a:solidFill>
+              </a:rPr>
+              <a:t>动态分析</a:t>
+            </a:r>
+            <a:endParaRPr kumimoji="1" lang="en-US" altLang="zh-CN" dirty="0">
+              <a:solidFill>
+                <a:schemeClr val="bg1">
+                  <a:lumMod val="50000"/>
+                </a:schemeClr>
+              </a:solidFill>
+            </a:endParaRPr>
+          </a:p>
+          <a:p>
+            <a:r>
+              <a:rPr kumimoji="1" lang="zh-CN" altLang="en-US" dirty="0"/>
+              <a:t>编码</a:t>
+            </a:r>
+            <a:r>
+              <a:rPr kumimoji="1" lang="zh-CN" altLang="en-US" dirty="0" smtClean="0"/>
+              <a:t>安全</a:t>
+            </a:r>
+            <a:endParaRPr kumimoji="1" lang="zh-CN" altLang="en-US" dirty="0"/>
+          </a:p>
+        </p:txBody>
+      </p:sp>
+    </p:spTree>
+    <p:extLst>
+      <p:ext uri="{BB962C8B-B14F-4D97-AF65-F5344CB8AC3E}">
+        <p14:creationId xmlns:p14="http://schemas.microsoft.com/office/powerpoint/2010/main" val="1731701644"/>
+      </p:ext>
+    </p:extLst>
+  </p:cSld>
+  <p:clrMapOvr>
+    <a:masterClrMapping/>
+  </p:clrMapOvr>
+</p:sld>
+</file>
+
+<file path=ppt/slides/slide7.xml><?xml version="1.0" encoding="utf-8"?>
+<p:sld xmlns:a="http://schemas.openxmlformats.org/drawingml/2006/main" xmlns:r="http://schemas.openxmlformats.org/officeDocument/2006/relationships" xmlns:p="http://schemas.openxmlformats.org/presentationml/2006/main">
+  <p:cSld>
+    <p:spTree>
+      <p:nvGrpSpPr>
+        <p:cNvPr id="1" name=""/>
+        <p:cNvGrpSpPr/>
+        <p:nvPr/>
+      </p:nvGrpSpPr>
+      <p:grpSpPr>
+        <a:xfrm>
+          <a:off x="0" y="0"/>
+          <a:ext cx="0" cy="0"/>
+          <a:chOff x="0" y="0"/>
+          <a:chExt cx="0" cy="0"/>
+        </a:xfrm>
+      </p:grpSpPr>
+      <p:sp>
+        <p:nvSpPr>
+          <p:cNvPr id="2" name="标题 1"/>
+          <p:cNvSpPr>
+            <a:spLocks noGrp="1"/>
+          </p:cNvSpPr>
+          <p:nvPr>
+            <p:ph type="title"/>
+          </p:nvPr>
+        </p:nvSpPr>
+        <p:spPr/>
+        <p:txBody>
+          <a:bodyPr/>
+          <a:lstStyle/>
+          <a:p>
+            <a:r>
+              <a:rPr kumimoji="1" lang="zh-CN" altLang="en-US" dirty="0" smtClean="0"/>
+              <a:t>编码安全</a:t>
+            </a:r>
+            <a:endParaRPr kumimoji="1" lang="zh-CN" altLang="en-US" dirty="0"/>
+          </a:p>
+        </p:txBody>
+      </p:sp>
+      <p:sp>
+        <p:nvSpPr>
+          <p:cNvPr id="3" name="内容占位符 2"/>
+          <p:cNvSpPr>
+            <a:spLocks noGrp="1"/>
+          </p:cNvSpPr>
+          <p:nvPr>
+            <p:ph idx="1"/>
+          </p:nvPr>
+        </p:nvSpPr>
+        <p:spPr/>
+        <p:txBody>
+          <a:bodyPr/>
+          <a:lstStyle/>
+          <a:p>
+            <a:endParaRPr kumimoji="1" lang="zh-CN" altLang="en-US" dirty="0"/>
+          </a:p>
+        </p:txBody>
+      </p:sp>
+    </p:spTree>
+    <p:extLst>
+      <p:ext uri="{BB962C8B-B14F-4D97-AF65-F5344CB8AC3E}">
+        <p14:creationId xmlns:p14="http://schemas.microsoft.com/office/powerpoint/2010/main" val="942542179"/>
       </p:ext>
     </p:extLst>
   </p:cSld>
